--- a/4.REVIEW-0TH /ISR-G04-REVIEW-0_TEMPLATE.pptx
+++ b/4.REVIEW-0TH /ISR-G04-REVIEW-0_TEMPLATE.pptx
@@ -16255,7 +16255,7 @@
             <a:tbl>
               <a:tblPr bandRow="1" firstRow="1">
                 <a:noFill/>
-                <a:tableStyleId>{2B943FAD-D35A-40C8-A2AE-F641DB4279E8}</a:tableStyleId>
+                <a:tableStyleId>{CB889879-65B1-4F24-8C8C-2EA930E6A7D0}</a:tableStyleId>
               </a:tblPr>
               <a:tblGrid>
                 <a:gridCol w="2085000"/>
@@ -21194,6 +21194,18 @@
               </a:rPr>
               <a:t>https://github.com/durgamaruthi/ELECTIVE_RECOMMENDATION_SYSTEM.git</a:t>
             </a:r>
+            <a:r>
+              <a:rPr lang="en-US" sz="2400">
+                <a:solidFill>
+                  <a:schemeClr val="dk1"/>
+                </a:solidFill>
+                <a:latin typeface="Cambria"/>
+                <a:ea typeface="Cambria"/>
+                <a:cs typeface="Cambria"/>
+                <a:sym typeface="Cambria"/>
+              </a:rPr>
+              <a:t> </a:t>
+            </a:r>
             <a:endParaRPr sz="2400">
               <a:solidFill>
                 <a:schemeClr val="dk1"/>
